--- a/figures/Fig2 Article.pptx
+++ b/figures/Fig2 Article.pptx
@@ -197,7 +197,7 @@
           <a:p>
             <a:fld id="{B19977C2-3852-6343-8FB6-75798599EF47}" type="datetimeFigureOut">
               <a:rPr lang="en-US" smtClean="0"/>
-              <a:t>9/15/24</a:t>
+              <a:t>9/17/24</a:t>
             </a:fld>
             <a:endParaRPr lang="en-US"/>
           </a:p>
@@ -684,7 +684,7 @@
           <a:p>
             <a:fld id="{49D16157-31ED-214D-A6E8-583A2FDE31BF}" type="datetimeFigureOut">
               <a:rPr lang="en-US" smtClean="0"/>
-              <a:t>9/15/24</a:t>
+              <a:t>9/17/24</a:t>
             </a:fld>
             <a:endParaRPr lang="en-US"/>
           </a:p>
@@ -854,7 +854,7 @@
           <a:p>
             <a:fld id="{49D16157-31ED-214D-A6E8-583A2FDE31BF}" type="datetimeFigureOut">
               <a:rPr lang="en-US" smtClean="0"/>
-              <a:t>9/15/24</a:t>
+              <a:t>9/17/24</a:t>
             </a:fld>
             <a:endParaRPr lang="en-US"/>
           </a:p>
@@ -1034,7 +1034,7 @@
           <a:p>
             <a:fld id="{49D16157-31ED-214D-A6E8-583A2FDE31BF}" type="datetimeFigureOut">
               <a:rPr lang="en-US" smtClean="0"/>
-              <a:t>9/15/24</a:t>
+              <a:t>9/17/24</a:t>
             </a:fld>
             <a:endParaRPr lang="en-US"/>
           </a:p>
@@ -1204,7 +1204,7 @@
           <a:p>
             <a:fld id="{49D16157-31ED-214D-A6E8-583A2FDE31BF}" type="datetimeFigureOut">
               <a:rPr lang="en-US" smtClean="0"/>
-              <a:t>9/15/24</a:t>
+              <a:t>9/17/24</a:t>
             </a:fld>
             <a:endParaRPr lang="en-US"/>
           </a:p>
@@ -1450,7 +1450,7 @@
           <a:p>
             <a:fld id="{49D16157-31ED-214D-A6E8-583A2FDE31BF}" type="datetimeFigureOut">
               <a:rPr lang="en-US" smtClean="0"/>
-              <a:t>9/15/24</a:t>
+              <a:t>9/17/24</a:t>
             </a:fld>
             <a:endParaRPr lang="en-US"/>
           </a:p>
@@ -1682,7 +1682,7 @@
           <a:p>
             <a:fld id="{49D16157-31ED-214D-A6E8-583A2FDE31BF}" type="datetimeFigureOut">
               <a:rPr lang="en-US" smtClean="0"/>
-              <a:t>9/15/24</a:t>
+              <a:t>9/17/24</a:t>
             </a:fld>
             <a:endParaRPr lang="en-US"/>
           </a:p>
@@ -2049,7 +2049,7 @@
           <a:p>
             <a:fld id="{49D16157-31ED-214D-A6E8-583A2FDE31BF}" type="datetimeFigureOut">
               <a:rPr lang="en-US" smtClean="0"/>
-              <a:t>9/15/24</a:t>
+              <a:t>9/17/24</a:t>
             </a:fld>
             <a:endParaRPr lang="en-US"/>
           </a:p>
@@ -2167,7 +2167,7 @@
           <a:p>
             <a:fld id="{49D16157-31ED-214D-A6E8-583A2FDE31BF}" type="datetimeFigureOut">
               <a:rPr lang="en-US" smtClean="0"/>
-              <a:t>9/15/24</a:t>
+              <a:t>9/17/24</a:t>
             </a:fld>
             <a:endParaRPr lang="en-US"/>
           </a:p>
@@ -2262,7 +2262,7 @@
           <a:p>
             <a:fld id="{49D16157-31ED-214D-A6E8-583A2FDE31BF}" type="datetimeFigureOut">
               <a:rPr lang="en-US" smtClean="0"/>
-              <a:t>9/15/24</a:t>
+              <a:t>9/17/24</a:t>
             </a:fld>
             <a:endParaRPr lang="en-US"/>
           </a:p>
@@ -2539,7 +2539,7 @@
           <a:p>
             <a:fld id="{49D16157-31ED-214D-A6E8-583A2FDE31BF}" type="datetimeFigureOut">
               <a:rPr lang="en-US" smtClean="0"/>
-              <a:t>9/15/24</a:t>
+              <a:t>9/17/24</a:t>
             </a:fld>
             <a:endParaRPr lang="en-US"/>
           </a:p>
@@ -2796,7 +2796,7 @@
           <a:p>
             <a:fld id="{49D16157-31ED-214D-A6E8-583A2FDE31BF}" type="datetimeFigureOut">
               <a:rPr lang="en-US" smtClean="0"/>
-              <a:t>9/15/24</a:t>
+              <a:t>9/17/24</a:t>
             </a:fld>
             <a:endParaRPr lang="en-US"/>
           </a:p>
@@ -3009,7 +3009,7 @@
           <a:p>
             <a:fld id="{49D16157-31ED-214D-A6E8-583A2FDE31BF}" type="datetimeFigureOut">
               <a:rPr lang="en-US" smtClean="0"/>
-              <a:t>9/15/24</a:t>
+              <a:t>9/17/24</a:t>
             </a:fld>
             <a:endParaRPr lang="en-US"/>
           </a:p>
@@ -3554,7 +3554,7 @@
                   <a:latin typeface="Arial" panose="020B0604020202020204" pitchFamily="34" charset="0"/>
                   <a:cs typeface="Arial" panose="020B0604020202020204" pitchFamily="34" charset="0"/>
                 </a:rPr>
-                <a:t>Education</a:t>
+                <a:t>Education		</a:t>
               </a:r>
             </a:p>
           </p:txBody>
@@ -4102,8 +4102,8 @@
           </p:nvSpPr>
           <p:spPr>
             <a:xfrm>
-              <a:off x="1928236" y="422046"/>
-              <a:ext cx="3931972" cy="160245"/>
+              <a:off x="1659038" y="422046"/>
+              <a:ext cx="4201170" cy="160245"/>
             </a:xfrm>
             <a:prstGeom prst="chevron">
               <a:avLst/>
